--- a/docs/Mockups/First Draft/Draft Dashboard Mockup.pptx
+++ b/docs/Mockups/First Draft/Draft Dashboard Mockup.pptx
@@ -288,7 +288,7 @@
           <a:p>
             <a:fld id="{ECB3C1DC-EE09-436C-876C-1E4BB35BFE0C}" type="datetimeFigureOut">
               <a:rPr lang="en-US" smtClean="0"/>
-              <a:t>1/14/2014</a:t>
+              <a:t>1/15/2014</a:t>
             </a:fld>
             <a:endParaRPr lang="en-US"/>
           </a:p>
@@ -458,7 +458,7 @@
           <a:p>
             <a:fld id="{ECB3C1DC-EE09-436C-876C-1E4BB35BFE0C}" type="datetimeFigureOut">
               <a:rPr lang="en-US" smtClean="0"/>
-              <a:t>1/14/2014</a:t>
+              <a:t>1/15/2014</a:t>
             </a:fld>
             <a:endParaRPr lang="en-US"/>
           </a:p>
@@ -638,7 +638,7 @@
           <a:p>
             <a:fld id="{ECB3C1DC-EE09-436C-876C-1E4BB35BFE0C}" type="datetimeFigureOut">
               <a:rPr lang="en-US" smtClean="0"/>
-              <a:t>1/14/2014</a:t>
+              <a:t>1/15/2014</a:t>
             </a:fld>
             <a:endParaRPr lang="en-US"/>
           </a:p>
@@ -808,7 +808,7 @@
           <a:p>
             <a:fld id="{ECB3C1DC-EE09-436C-876C-1E4BB35BFE0C}" type="datetimeFigureOut">
               <a:rPr lang="en-US" smtClean="0"/>
-              <a:t>1/14/2014</a:t>
+              <a:t>1/15/2014</a:t>
             </a:fld>
             <a:endParaRPr lang="en-US"/>
           </a:p>
@@ -1054,7 +1054,7 @@
           <a:p>
             <a:fld id="{ECB3C1DC-EE09-436C-876C-1E4BB35BFE0C}" type="datetimeFigureOut">
               <a:rPr lang="en-US" smtClean="0"/>
-              <a:t>1/14/2014</a:t>
+              <a:t>1/15/2014</a:t>
             </a:fld>
             <a:endParaRPr lang="en-US"/>
           </a:p>
@@ -1342,7 +1342,7 @@
           <a:p>
             <a:fld id="{ECB3C1DC-EE09-436C-876C-1E4BB35BFE0C}" type="datetimeFigureOut">
               <a:rPr lang="en-US" smtClean="0"/>
-              <a:t>1/14/2014</a:t>
+              <a:t>1/15/2014</a:t>
             </a:fld>
             <a:endParaRPr lang="en-US"/>
           </a:p>
@@ -1764,7 +1764,7 @@
           <a:p>
             <a:fld id="{ECB3C1DC-EE09-436C-876C-1E4BB35BFE0C}" type="datetimeFigureOut">
               <a:rPr lang="en-US" smtClean="0"/>
-              <a:t>1/14/2014</a:t>
+              <a:t>1/15/2014</a:t>
             </a:fld>
             <a:endParaRPr lang="en-US"/>
           </a:p>
@@ -1882,7 +1882,7 @@
           <a:p>
             <a:fld id="{ECB3C1DC-EE09-436C-876C-1E4BB35BFE0C}" type="datetimeFigureOut">
               <a:rPr lang="en-US" smtClean="0"/>
-              <a:t>1/14/2014</a:t>
+              <a:t>1/15/2014</a:t>
             </a:fld>
             <a:endParaRPr lang="en-US"/>
           </a:p>
@@ -1977,7 +1977,7 @@
           <a:p>
             <a:fld id="{ECB3C1DC-EE09-436C-876C-1E4BB35BFE0C}" type="datetimeFigureOut">
               <a:rPr lang="en-US" smtClean="0"/>
-              <a:t>1/14/2014</a:t>
+              <a:t>1/15/2014</a:t>
             </a:fld>
             <a:endParaRPr lang="en-US"/>
           </a:p>
@@ -2254,7 +2254,7 @@
           <a:p>
             <a:fld id="{ECB3C1DC-EE09-436C-876C-1E4BB35BFE0C}" type="datetimeFigureOut">
               <a:rPr lang="en-US" smtClean="0"/>
-              <a:t>1/14/2014</a:t>
+              <a:t>1/15/2014</a:t>
             </a:fld>
             <a:endParaRPr lang="en-US"/>
           </a:p>
@@ -2507,7 +2507,7 @@
           <a:p>
             <a:fld id="{ECB3C1DC-EE09-436C-876C-1E4BB35BFE0C}" type="datetimeFigureOut">
               <a:rPr lang="en-US" smtClean="0"/>
-              <a:t>1/14/2014</a:t>
+              <a:t>1/15/2014</a:t>
             </a:fld>
             <a:endParaRPr lang="en-US"/>
           </a:p>
@@ -2720,7 +2720,7 @@
           <a:p>
             <a:fld id="{ECB3C1DC-EE09-436C-876C-1E4BB35BFE0C}" type="datetimeFigureOut">
               <a:rPr lang="en-US" smtClean="0"/>
-              <a:t>1/14/2014</a:t>
+              <a:t>1/15/2014</a:t>
             </a:fld>
             <a:endParaRPr lang="en-US"/>
           </a:p>
@@ -3817,8 +3817,8 @@
         </p:nvSpPr>
         <p:spPr>
           <a:xfrm>
-            <a:off x="2014536" y="5295900"/>
-            <a:ext cx="5105400" cy="304800"/>
+            <a:off x="2562225" y="5569237"/>
+            <a:ext cx="3576641" cy="304800"/>
           </a:xfrm>
           <a:prstGeom prst="roundRect">
             <a:avLst/>
@@ -3865,7 +3865,7 @@
                 </a:solidFill>
                 <a:latin typeface="Calibri Light" panose="020F0302020204030204" pitchFamily="34" charset="0"/>
               </a:rPr>
-              <a:t>Enter an activity to add…</a:t>
+              <a:t>Or enter your own…</a:t>
             </a:r>
             <a:endParaRPr lang="en-US" dirty="0">
               <a:solidFill>
@@ -3903,12 +3903,12 @@
               </a:gs>
               <a:gs pos="63000">
                 <a:schemeClr val="bg1">
-                  <a:lumMod val="85000"/>
+                  <a:lumMod val="94000"/>
                 </a:schemeClr>
               </a:gs>
               <a:gs pos="100000">
                 <a:schemeClr val="bg1">
-                  <a:lumMod val="85000"/>
+                  <a:lumMod val="94000"/>
                 </a:schemeClr>
               </a:gs>
             </a:gsLst>
@@ -3917,9 +3917,8 @@
           </a:gradFill>
           <a:ln w="3175">
             <a:solidFill>
-              <a:schemeClr val="tx1">
+              <a:schemeClr val="bg1">
                 <a:lumMod val="85000"/>
-                <a:lumOff val="15000"/>
               </a:schemeClr>
             </a:solidFill>
           </a:ln>
@@ -4186,7 +4185,7 @@
         </p:nvSpPr>
         <p:spPr>
           <a:xfrm>
-            <a:off x="152400" y="2743200"/>
+            <a:off x="152400" y="3511837"/>
             <a:ext cx="495305" cy="2362200"/>
           </a:xfrm>
           <a:prstGeom prst="rect">
@@ -4230,6 +4229,78 @@
           </a:p>
         </p:txBody>
       </p:sp>
+      <p:sp>
+        <p:nvSpPr>
+          <p:cNvPr id="5" name="Rectangle 4"/>
+          <p:cNvSpPr/>
+          <p:nvPr/>
+        </p:nvSpPr>
+        <p:spPr>
+          <a:xfrm>
+            <a:off x="2590800" y="5051568"/>
+            <a:ext cx="3548066" cy="330487"/>
+          </a:xfrm>
+          <a:prstGeom prst="rect">
+            <a:avLst/>
+          </a:prstGeom>
+          <a:solidFill>
+            <a:schemeClr val="bg1">
+              <a:lumMod val="95000"/>
+            </a:schemeClr>
+          </a:solidFill>
+          <a:ln w="3175">
+            <a:solidFill>
+              <a:schemeClr val="tx1">
+                <a:lumMod val="50000"/>
+                <a:lumOff val="50000"/>
+              </a:schemeClr>
+            </a:solidFill>
+          </a:ln>
+        </p:spPr>
+        <p:style>
+          <a:lnRef idx="2">
+            <a:schemeClr val="accent1">
+              <a:shade val="50000"/>
+            </a:schemeClr>
+          </a:lnRef>
+          <a:fillRef idx="1">
+            <a:schemeClr val="accent1"/>
+          </a:fillRef>
+          <a:effectRef idx="0">
+            <a:schemeClr val="accent1"/>
+          </a:effectRef>
+          <a:fontRef idx="minor">
+            <a:schemeClr val="lt1"/>
+          </a:fontRef>
+        </p:style>
+        <p:txBody>
+          <a:bodyPr rtlCol="0" anchor="ctr"/>
+          <a:lstStyle/>
+          <a:p>
+            <a:r>
+              <a:rPr lang="en-US" dirty="0" smtClean="0">
+                <a:solidFill>
+                  <a:schemeClr val="tx1">
+                    <a:lumMod val="50000"/>
+                    <a:lumOff val="50000"/>
+                  </a:schemeClr>
+                </a:solidFill>
+                <a:latin typeface="Calibri Light" panose="020F0302020204030204" pitchFamily="34" charset="0"/>
+              </a:rPr>
+              <a:t>Browse through activities to add…</a:t>
+            </a:r>
+            <a:endParaRPr lang="en-US" dirty="0" smtClean="0">
+              <a:solidFill>
+                <a:schemeClr val="tx1">
+                  <a:lumMod val="50000"/>
+                  <a:lumOff val="50000"/>
+                </a:schemeClr>
+              </a:solidFill>
+              <a:latin typeface="Calibri Light" panose="020F0302020204030204" pitchFamily="34" charset="0"/>
+            </a:endParaRPr>
+          </a:p>
+        </p:txBody>
+      </p:sp>
     </p:spTree>
     <p:extLst>
       <p:ext uri="{BB962C8B-B14F-4D97-AF65-F5344CB8AC3E}">
@@ -4240,6 +4311,13 @@
   <p:clrMapOvr>
     <a:masterClrMapping/>
   </p:clrMapOvr>
+  <p:timing>
+    <p:tnLst>
+      <p:par>
+        <p:cTn id="1" dur="indefinite" restart="never" nodeType="tmRoot"/>
+      </p:par>
+    </p:tnLst>
+  </p:timing>
 </p:sld>
 </file>
 

--- a/docs/Mockups/First Draft/Draft Dashboard Mockup.pptx
+++ b/docs/Mockups/First Draft/Draft Dashboard Mockup.pptx
@@ -288,7 +288,7 @@
           <a:p>
             <a:fld id="{ECB3C1DC-EE09-436C-876C-1E4BB35BFE0C}" type="datetimeFigureOut">
               <a:rPr lang="en-US" smtClean="0"/>
-              <a:t>1/15/2014</a:t>
+              <a:t>1/16/2014</a:t>
             </a:fld>
             <a:endParaRPr lang="en-US"/>
           </a:p>
@@ -458,7 +458,7 @@
           <a:p>
             <a:fld id="{ECB3C1DC-EE09-436C-876C-1E4BB35BFE0C}" type="datetimeFigureOut">
               <a:rPr lang="en-US" smtClean="0"/>
-              <a:t>1/15/2014</a:t>
+              <a:t>1/16/2014</a:t>
             </a:fld>
             <a:endParaRPr lang="en-US"/>
           </a:p>
@@ -638,7 +638,7 @@
           <a:p>
             <a:fld id="{ECB3C1DC-EE09-436C-876C-1E4BB35BFE0C}" type="datetimeFigureOut">
               <a:rPr lang="en-US" smtClean="0"/>
-              <a:t>1/15/2014</a:t>
+              <a:t>1/16/2014</a:t>
             </a:fld>
             <a:endParaRPr lang="en-US"/>
           </a:p>
@@ -808,7 +808,7 @@
           <a:p>
             <a:fld id="{ECB3C1DC-EE09-436C-876C-1E4BB35BFE0C}" type="datetimeFigureOut">
               <a:rPr lang="en-US" smtClean="0"/>
-              <a:t>1/15/2014</a:t>
+              <a:t>1/16/2014</a:t>
             </a:fld>
             <a:endParaRPr lang="en-US"/>
           </a:p>
@@ -1054,7 +1054,7 @@
           <a:p>
             <a:fld id="{ECB3C1DC-EE09-436C-876C-1E4BB35BFE0C}" type="datetimeFigureOut">
               <a:rPr lang="en-US" smtClean="0"/>
-              <a:t>1/15/2014</a:t>
+              <a:t>1/16/2014</a:t>
             </a:fld>
             <a:endParaRPr lang="en-US"/>
           </a:p>
@@ -1342,7 +1342,7 @@
           <a:p>
             <a:fld id="{ECB3C1DC-EE09-436C-876C-1E4BB35BFE0C}" type="datetimeFigureOut">
               <a:rPr lang="en-US" smtClean="0"/>
-              <a:t>1/15/2014</a:t>
+              <a:t>1/16/2014</a:t>
             </a:fld>
             <a:endParaRPr lang="en-US"/>
           </a:p>
@@ -1764,7 +1764,7 @@
           <a:p>
             <a:fld id="{ECB3C1DC-EE09-436C-876C-1E4BB35BFE0C}" type="datetimeFigureOut">
               <a:rPr lang="en-US" smtClean="0"/>
-              <a:t>1/15/2014</a:t>
+              <a:t>1/16/2014</a:t>
             </a:fld>
             <a:endParaRPr lang="en-US"/>
           </a:p>
@@ -1882,7 +1882,7 @@
           <a:p>
             <a:fld id="{ECB3C1DC-EE09-436C-876C-1E4BB35BFE0C}" type="datetimeFigureOut">
               <a:rPr lang="en-US" smtClean="0"/>
-              <a:t>1/15/2014</a:t>
+              <a:t>1/16/2014</a:t>
             </a:fld>
             <a:endParaRPr lang="en-US"/>
           </a:p>
@@ -1977,7 +1977,7 @@
           <a:p>
             <a:fld id="{ECB3C1DC-EE09-436C-876C-1E4BB35BFE0C}" type="datetimeFigureOut">
               <a:rPr lang="en-US" smtClean="0"/>
-              <a:t>1/15/2014</a:t>
+              <a:t>1/16/2014</a:t>
             </a:fld>
             <a:endParaRPr lang="en-US"/>
           </a:p>
@@ -2254,7 +2254,7 @@
           <a:p>
             <a:fld id="{ECB3C1DC-EE09-436C-876C-1E4BB35BFE0C}" type="datetimeFigureOut">
               <a:rPr lang="en-US" smtClean="0"/>
-              <a:t>1/15/2014</a:t>
+              <a:t>1/16/2014</a:t>
             </a:fld>
             <a:endParaRPr lang="en-US"/>
           </a:p>
@@ -2507,7 +2507,7 @@
           <a:p>
             <a:fld id="{ECB3C1DC-EE09-436C-876C-1E4BB35BFE0C}" type="datetimeFigureOut">
               <a:rPr lang="en-US" smtClean="0"/>
-              <a:t>1/15/2014</a:t>
+              <a:t>1/16/2014</a:t>
             </a:fld>
             <a:endParaRPr lang="en-US"/>
           </a:p>
@@ -2720,7 +2720,7 @@
           <a:p>
             <a:fld id="{ECB3C1DC-EE09-436C-876C-1E4BB35BFE0C}" type="datetimeFigureOut">
               <a:rPr lang="en-US" smtClean="0"/>
-              <a:t>1/15/2014</a:t>
+              <a:t>1/16/2014</a:t>
             </a:fld>
             <a:endParaRPr lang="en-US"/>
           </a:p>
@@ -3618,15 +3618,19 @@
             <a:gsLst>
               <a:gs pos="0">
                 <a:srgbClr val="00B0F0">
-                  <a:lumMod val="20000"/>
-                  <a:lumOff val="80000"/>
+                  <a:lumMod val="40000"/>
+                  <a:lumOff val="60000"/>
                 </a:srgbClr>
               </a:gs>
               <a:gs pos="66000">
-                <a:srgbClr val="00B0F0"/>
+                <a:srgbClr val="00B0F0">
+                  <a:lumMod val="84000"/>
+                </a:srgbClr>
               </a:gs>
               <a:gs pos="100000">
-                <a:srgbClr val="00B0F0"/>
+                <a:srgbClr val="00B0F0">
+                  <a:lumMod val="84000"/>
+                </a:srgbClr>
               </a:gs>
             </a:gsLst>
             <a:lin ang="16200000" scaled="1"/>
@@ -4289,15 +4293,6 @@
               </a:rPr>
               <a:t>Browse through activities to add…</a:t>
             </a:r>
-            <a:endParaRPr lang="en-US" dirty="0" smtClean="0">
-              <a:solidFill>
-                <a:schemeClr val="tx1">
-                  <a:lumMod val="50000"/>
-                  <a:lumOff val="50000"/>
-                </a:schemeClr>
-              </a:solidFill>
-              <a:latin typeface="Calibri Light" panose="020F0302020204030204" pitchFamily="34" charset="0"/>
-            </a:endParaRPr>
           </a:p>
         </p:txBody>
       </p:sp>

--- a/docs/Mockups/First Draft/Draft Dashboard Mockup.pptx
+++ b/docs/Mockups/First Draft/Draft Dashboard Mockup.pptx
@@ -3397,7 +3397,7 @@
         <p:spPr>
           <a:xfrm>
             <a:off x="2014536" y="1650712"/>
-            <a:ext cx="1524000" cy="584775"/>
+            <a:ext cx="5986464" cy="584775"/>
           </a:xfrm>
           <a:prstGeom prst="rect">
             <a:avLst/>
@@ -3424,10 +3424,7 @@
             </a:r>
             <a:endParaRPr lang="en-US" sz="3200" dirty="0">
               <a:solidFill>
-                <a:schemeClr val="tx1">
-                  <a:lumMod val="50000"/>
-                  <a:lumOff val="50000"/>
-                </a:schemeClr>
+                <a:srgbClr val="028835"/>
               </a:solidFill>
               <a:latin typeface="Calibri Light" panose="020F0302020204030204" pitchFamily="34" charset="0"/>
             </a:endParaRPr>
@@ -3443,7 +3440,7 @@
         <p:spPr>
           <a:xfrm>
             <a:off x="2014536" y="2927062"/>
-            <a:ext cx="1752600" cy="584775"/>
+            <a:ext cx="5453064" cy="584775"/>
           </a:xfrm>
           <a:prstGeom prst="rect">
             <a:avLst/>
@@ -3618,19 +3615,15 @@
             <a:gsLst>
               <a:gs pos="0">
                 <a:srgbClr val="00B0F0">
-                  <a:lumMod val="40000"/>
-                  <a:lumOff val="60000"/>
+                  <a:lumMod val="20000"/>
+                  <a:lumOff val="80000"/>
                 </a:srgbClr>
               </a:gs>
               <a:gs pos="66000">
-                <a:srgbClr val="00B0F0">
-                  <a:lumMod val="84000"/>
-                </a:srgbClr>
+                <a:srgbClr val="00B0F0"/>
               </a:gs>
               <a:gs pos="100000">
-                <a:srgbClr val="00B0F0">
-                  <a:lumMod val="84000"/>
-                </a:srgbClr>
+                <a:srgbClr val="00B0F0"/>
               </a:gs>
             </a:gsLst>
             <a:lin ang="16200000" scaled="1"/>

--- a/docs/Mockups/First Draft/Draft Dashboard Mockup.pptx
+++ b/docs/Mockups/First Draft/Draft Dashboard Mockup.pptx
@@ -288,7 +288,7 @@
           <a:p>
             <a:fld id="{ECB3C1DC-EE09-436C-876C-1E4BB35BFE0C}" type="datetimeFigureOut">
               <a:rPr lang="en-US" smtClean="0"/>
-              <a:t>1/16/2014</a:t>
+              <a:t>1/19/2014</a:t>
             </a:fld>
             <a:endParaRPr lang="en-US"/>
           </a:p>
@@ -458,7 +458,7 @@
           <a:p>
             <a:fld id="{ECB3C1DC-EE09-436C-876C-1E4BB35BFE0C}" type="datetimeFigureOut">
               <a:rPr lang="en-US" smtClean="0"/>
-              <a:t>1/16/2014</a:t>
+              <a:t>1/19/2014</a:t>
             </a:fld>
             <a:endParaRPr lang="en-US"/>
           </a:p>
@@ -638,7 +638,7 @@
           <a:p>
             <a:fld id="{ECB3C1DC-EE09-436C-876C-1E4BB35BFE0C}" type="datetimeFigureOut">
               <a:rPr lang="en-US" smtClean="0"/>
-              <a:t>1/16/2014</a:t>
+              <a:t>1/19/2014</a:t>
             </a:fld>
             <a:endParaRPr lang="en-US"/>
           </a:p>
@@ -808,7 +808,7 @@
           <a:p>
             <a:fld id="{ECB3C1DC-EE09-436C-876C-1E4BB35BFE0C}" type="datetimeFigureOut">
               <a:rPr lang="en-US" smtClean="0"/>
-              <a:t>1/16/2014</a:t>
+              <a:t>1/19/2014</a:t>
             </a:fld>
             <a:endParaRPr lang="en-US"/>
           </a:p>
@@ -1054,7 +1054,7 @@
           <a:p>
             <a:fld id="{ECB3C1DC-EE09-436C-876C-1E4BB35BFE0C}" type="datetimeFigureOut">
               <a:rPr lang="en-US" smtClean="0"/>
-              <a:t>1/16/2014</a:t>
+              <a:t>1/19/2014</a:t>
             </a:fld>
             <a:endParaRPr lang="en-US"/>
           </a:p>
@@ -1342,7 +1342,7 @@
           <a:p>
             <a:fld id="{ECB3C1DC-EE09-436C-876C-1E4BB35BFE0C}" type="datetimeFigureOut">
               <a:rPr lang="en-US" smtClean="0"/>
-              <a:t>1/16/2014</a:t>
+              <a:t>1/19/2014</a:t>
             </a:fld>
             <a:endParaRPr lang="en-US"/>
           </a:p>
@@ -1764,7 +1764,7 @@
           <a:p>
             <a:fld id="{ECB3C1DC-EE09-436C-876C-1E4BB35BFE0C}" type="datetimeFigureOut">
               <a:rPr lang="en-US" smtClean="0"/>
-              <a:t>1/16/2014</a:t>
+              <a:t>1/19/2014</a:t>
             </a:fld>
             <a:endParaRPr lang="en-US"/>
           </a:p>
@@ -1882,7 +1882,7 @@
           <a:p>
             <a:fld id="{ECB3C1DC-EE09-436C-876C-1E4BB35BFE0C}" type="datetimeFigureOut">
               <a:rPr lang="en-US" smtClean="0"/>
-              <a:t>1/16/2014</a:t>
+              <a:t>1/19/2014</a:t>
             </a:fld>
             <a:endParaRPr lang="en-US"/>
           </a:p>
@@ -1977,7 +1977,7 @@
           <a:p>
             <a:fld id="{ECB3C1DC-EE09-436C-876C-1E4BB35BFE0C}" type="datetimeFigureOut">
               <a:rPr lang="en-US" smtClean="0"/>
-              <a:t>1/16/2014</a:t>
+              <a:t>1/19/2014</a:t>
             </a:fld>
             <a:endParaRPr lang="en-US"/>
           </a:p>
@@ -2254,7 +2254,7 @@
           <a:p>
             <a:fld id="{ECB3C1DC-EE09-436C-876C-1E4BB35BFE0C}" type="datetimeFigureOut">
               <a:rPr lang="en-US" smtClean="0"/>
-              <a:t>1/16/2014</a:t>
+              <a:t>1/19/2014</a:t>
             </a:fld>
             <a:endParaRPr lang="en-US"/>
           </a:p>
@@ -2507,7 +2507,7 @@
           <a:p>
             <a:fld id="{ECB3C1DC-EE09-436C-876C-1E4BB35BFE0C}" type="datetimeFigureOut">
               <a:rPr lang="en-US" smtClean="0"/>
-              <a:t>1/16/2014</a:t>
+              <a:t>1/19/2014</a:t>
             </a:fld>
             <a:endParaRPr lang="en-US"/>
           </a:p>
@@ -2720,7 +2720,7 @@
           <a:p>
             <a:fld id="{ECB3C1DC-EE09-436C-876C-1E4BB35BFE0C}" type="datetimeFigureOut">
               <a:rPr lang="en-US" smtClean="0"/>
-              <a:t>1/16/2014</a:t>
+              <a:t>1/19/2014</a:t>
             </a:fld>
             <a:endParaRPr lang="en-US"/>
           </a:p>
@@ -3397,7 +3397,7 @@
         <p:spPr>
           <a:xfrm>
             <a:off x="2014536" y="1650712"/>
-            <a:ext cx="5986464" cy="584775"/>
+            <a:ext cx="2552698" cy="584775"/>
           </a:xfrm>
           <a:prstGeom prst="rect">
             <a:avLst/>
@@ -3413,10 +3413,7 @@
             <a:r>
               <a:rPr lang="en-US" sz="3200" dirty="0" smtClean="0">
                 <a:solidFill>
-                  <a:schemeClr val="tx1">
-                    <a:lumMod val="50000"/>
-                    <a:lumOff val="50000"/>
-                  </a:schemeClr>
+                  <a:srgbClr val="028835"/>
                 </a:solidFill>
                 <a:latin typeface="Calibri Light" panose="020F0302020204030204" pitchFamily="34" charset="0"/>
               </a:rPr>
@@ -3485,7 +3482,7 @@
         </p:nvSpPr>
         <p:spPr>
           <a:xfrm>
-            <a:off x="2014536" y="4165312"/>
+            <a:off x="5191125" y="4317711"/>
             <a:ext cx="2276475" cy="584775"/>
           </a:xfrm>
           <a:prstGeom prst="rect">
@@ -3509,7 +3506,7 @@
                 </a:solidFill>
                 <a:latin typeface="Calibri Light" panose="020F0302020204030204" pitchFamily="34" charset="0"/>
               </a:rPr>
-              <a:t>Swimming</a:t>
+              <a:t>(no goal set)</a:t>
             </a:r>
             <a:endParaRPr lang="en-US" sz="3200" dirty="0">
               <a:solidFill>
@@ -3531,7 +3528,7 @@
         </p:nvSpPr>
         <p:spPr>
           <a:xfrm>
-            <a:off x="1095374" y="2838450"/>
+            <a:off x="1095374" y="4165312"/>
             <a:ext cx="533400" cy="762000"/>
           </a:xfrm>
           <a:prstGeom prst="chevron">
@@ -3557,76 +3554,6 @@
               </a:gs>
             </a:gsLst>
             <a:lin ang="10800000" scaled="1"/>
-            <a:tileRect/>
-          </a:gradFill>
-          <a:ln w="3175">
-            <a:solidFill>
-              <a:schemeClr val="tx1">
-                <a:lumMod val="85000"/>
-                <a:lumOff val="15000"/>
-              </a:schemeClr>
-            </a:solidFill>
-          </a:ln>
-        </p:spPr>
-        <p:style>
-          <a:lnRef idx="2">
-            <a:schemeClr val="accent1">
-              <a:shade val="50000"/>
-            </a:schemeClr>
-          </a:lnRef>
-          <a:fillRef idx="1">
-            <a:schemeClr val="accent1"/>
-          </a:fillRef>
-          <a:effectRef idx="0">
-            <a:schemeClr val="accent1"/>
-          </a:effectRef>
-          <a:fontRef idx="minor">
-            <a:schemeClr val="lt1"/>
-          </a:fontRef>
-        </p:style>
-        <p:txBody>
-          <a:bodyPr rtlCol="0" anchor="ctr"/>
-          <a:lstStyle/>
-          <a:p>
-            <a:pPr algn="ctr"/>
-            <a:endParaRPr lang="en-US">
-              <a:solidFill>
-                <a:schemeClr val="tx1"/>
-              </a:solidFill>
-            </a:endParaRPr>
-          </a:p>
-        </p:txBody>
-      </p:sp>
-      <p:sp>
-        <p:nvSpPr>
-          <p:cNvPr id="13" name="Chevron 12"/>
-          <p:cNvSpPr/>
-          <p:nvPr/>
-        </p:nvSpPr>
-        <p:spPr>
-          <a:xfrm rot="16200000">
-            <a:off x="1095374" y="4031963"/>
-            <a:ext cx="533400" cy="762000"/>
-          </a:xfrm>
-          <a:prstGeom prst="chevron">
-            <a:avLst/>
-          </a:prstGeom>
-          <a:gradFill flip="none" rotWithShape="1">
-            <a:gsLst>
-              <a:gs pos="0">
-                <a:srgbClr val="00B0F0">
-                  <a:lumMod val="20000"/>
-                  <a:lumOff val="80000"/>
-                </a:srgbClr>
-              </a:gs>
-              <a:gs pos="66000">
-                <a:srgbClr val="00B0F0"/>
-              </a:gs>
-              <a:gs pos="100000">
-                <a:srgbClr val="00B0F0"/>
-              </a:gs>
-            </a:gsLst>
-            <a:lin ang="16200000" scaled="1"/>
             <a:tileRect/>
           </a:gradFill>
           <a:ln w="3175">
@@ -4286,6 +4213,212 @@
               </a:rPr>
               <a:t>Browse through activities to add…</a:t>
             </a:r>
+          </a:p>
+        </p:txBody>
+      </p:sp>
+      <p:sp>
+        <p:nvSpPr>
+          <p:cNvPr id="22" name="Chevron 21"/>
+          <p:cNvSpPr/>
+          <p:nvPr/>
+        </p:nvSpPr>
+        <p:spPr>
+          <a:xfrm>
+            <a:off x="1095374" y="2838450"/>
+            <a:ext cx="533400" cy="762000"/>
+          </a:xfrm>
+          <a:prstGeom prst="chevron">
+            <a:avLst/>
+          </a:prstGeom>
+          <a:gradFill flip="none" rotWithShape="1">
+            <a:gsLst>
+              <a:gs pos="0">
+                <a:schemeClr val="bg1">
+                  <a:lumMod val="24000"/>
+                  <a:lumOff val="76000"/>
+                </a:schemeClr>
+              </a:gs>
+              <a:gs pos="87000">
+                <a:schemeClr val="bg1">
+                  <a:lumMod val="90000"/>
+                </a:schemeClr>
+              </a:gs>
+              <a:gs pos="100000">
+                <a:schemeClr val="bg1">
+                  <a:lumMod val="90000"/>
+                </a:schemeClr>
+              </a:gs>
+            </a:gsLst>
+            <a:lin ang="10800000" scaled="1"/>
+            <a:tileRect/>
+          </a:gradFill>
+          <a:ln w="3175">
+            <a:solidFill>
+              <a:schemeClr val="tx1">
+                <a:lumMod val="85000"/>
+                <a:lumOff val="15000"/>
+              </a:schemeClr>
+            </a:solidFill>
+          </a:ln>
+        </p:spPr>
+        <p:style>
+          <a:lnRef idx="2">
+            <a:schemeClr val="accent1">
+              <a:shade val="50000"/>
+            </a:schemeClr>
+          </a:lnRef>
+          <a:fillRef idx="1">
+            <a:schemeClr val="accent1"/>
+          </a:fillRef>
+          <a:effectRef idx="0">
+            <a:schemeClr val="accent1"/>
+          </a:effectRef>
+          <a:fontRef idx="minor">
+            <a:schemeClr val="lt1"/>
+          </a:fontRef>
+        </p:style>
+        <p:txBody>
+          <a:bodyPr rtlCol="0" anchor="ctr"/>
+          <a:lstStyle/>
+          <a:p>
+            <a:pPr algn="ctr"/>
+            <a:endParaRPr lang="en-US">
+              <a:solidFill>
+                <a:schemeClr val="tx1"/>
+              </a:solidFill>
+            </a:endParaRPr>
+          </a:p>
+        </p:txBody>
+      </p:sp>
+      <p:sp>
+        <p:nvSpPr>
+          <p:cNvPr id="24" name="TextBox 23"/>
+          <p:cNvSpPr txBox="1"/>
+          <p:nvPr/>
+        </p:nvSpPr>
+        <p:spPr>
+          <a:xfrm>
+            <a:off x="2031208" y="4317712"/>
+            <a:ext cx="2276475" cy="584775"/>
+          </a:xfrm>
+          <a:prstGeom prst="rect">
+            <a:avLst/>
+          </a:prstGeom>
+          <a:noFill/>
+        </p:spPr>
+        <p:txBody>
+          <a:bodyPr wrap="square" rtlCol="0">
+            <a:spAutoFit/>
+          </a:bodyPr>
+          <a:lstStyle/>
+          <a:p>
+            <a:r>
+              <a:rPr lang="en-US" sz="3200" dirty="0" smtClean="0">
+                <a:solidFill>
+                  <a:schemeClr val="tx1">
+                    <a:lumMod val="50000"/>
+                    <a:lumOff val="50000"/>
+                  </a:schemeClr>
+                </a:solidFill>
+                <a:latin typeface="Calibri Light" panose="020F0302020204030204" pitchFamily="34" charset="0"/>
+              </a:rPr>
+              <a:t>Swimming</a:t>
+            </a:r>
+            <a:endParaRPr lang="en-US" sz="3200" dirty="0">
+              <a:solidFill>
+                <a:schemeClr val="tx1">
+                  <a:lumMod val="50000"/>
+                  <a:lumOff val="50000"/>
+                </a:schemeClr>
+              </a:solidFill>
+              <a:latin typeface="Calibri Light" panose="020F0302020204030204" pitchFamily="34" charset="0"/>
+            </a:endParaRPr>
+          </a:p>
+        </p:txBody>
+      </p:sp>
+      <p:sp>
+        <p:nvSpPr>
+          <p:cNvPr id="26" name="TextBox 25"/>
+          <p:cNvSpPr txBox="1"/>
+          <p:nvPr/>
+        </p:nvSpPr>
+        <p:spPr>
+          <a:xfrm>
+            <a:off x="5200650" y="2920422"/>
+            <a:ext cx="3543300" cy="584775"/>
+          </a:xfrm>
+          <a:prstGeom prst="rect">
+            <a:avLst/>
+          </a:prstGeom>
+          <a:noFill/>
+        </p:spPr>
+        <p:txBody>
+          <a:bodyPr wrap="square" rtlCol="0">
+            <a:spAutoFit/>
+          </a:bodyPr>
+          <a:lstStyle/>
+          <a:p>
+            <a:r>
+              <a:rPr lang="en-US" sz="3200" dirty="0" smtClean="0">
+                <a:solidFill>
+                  <a:schemeClr val="tx1">
+                    <a:lumMod val="50000"/>
+                    <a:lumOff val="50000"/>
+                  </a:schemeClr>
+                </a:solidFill>
+                <a:latin typeface="Calibri Light" panose="020F0302020204030204" pitchFamily="34" charset="0"/>
+              </a:rPr>
+              <a:t>(goal not complete)</a:t>
+            </a:r>
+            <a:endParaRPr lang="en-US" sz="3200" dirty="0">
+              <a:solidFill>
+                <a:schemeClr val="tx1">
+                  <a:lumMod val="50000"/>
+                  <a:lumOff val="50000"/>
+                </a:schemeClr>
+              </a:solidFill>
+              <a:latin typeface="Calibri Light" panose="020F0302020204030204" pitchFamily="34" charset="0"/>
+            </a:endParaRPr>
+          </a:p>
+        </p:txBody>
+      </p:sp>
+      <p:sp>
+        <p:nvSpPr>
+          <p:cNvPr id="27" name="TextBox 26"/>
+          <p:cNvSpPr txBox="1"/>
+          <p:nvPr/>
+        </p:nvSpPr>
+        <p:spPr>
+          <a:xfrm>
+            <a:off x="5200650" y="1650711"/>
+            <a:ext cx="3543300" cy="584775"/>
+          </a:xfrm>
+          <a:prstGeom prst="rect">
+            <a:avLst/>
+          </a:prstGeom>
+          <a:noFill/>
+        </p:spPr>
+        <p:txBody>
+          <a:bodyPr wrap="square" rtlCol="0">
+            <a:spAutoFit/>
+          </a:bodyPr>
+          <a:lstStyle/>
+          <a:p>
+            <a:r>
+              <a:rPr lang="en-US" sz="3200" dirty="0" smtClean="0">
+                <a:solidFill>
+                  <a:srgbClr val="028835"/>
+                </a:solidFill>
+                <a:latin typeface="Calibri Light" panose="020F0302020204030204" pitchFamily="34" charset="0"/>
+              </a:rPr>
+              <a:t>(goal complete)</a:t>
+            </a:r>
+            <a:endParaRPr lang="en-US" sz="3200" dirty="0">
+              <a:solidFill>
+                <a:srgbClr val="028835"/>
+              </a:solidFill>
+              <a:latin typeface="Calibri Light" panose="020F0302020204030204" pitchFamily="34" charset="0"/>
+            </a:endParaRPr>
           </a:p>
         </p:txBody>
       </p:sp>

--- a/docs/Mockups/First Draft/Draft Dashboard Mockup.pptx
+++ b/docs/Mockups/First Draft/Draft Dashboard Mockup.pptx
@@ -288,7 +288,7 @@
           <a:p>
             <a:fld id="{ECB3C1DC-EE09-436C-876C-1E4BB35BFE0C}" type="datetimeFigureOut">
               <a:rPr lang="en-US" smtClean="0"/>
-              <a:t>1/19/2014</a:t>
+              <a:t>1/22/2014</a:t>
             </a:fld>
             <a:endParaRPr lang="en-US"/>
           </a:p>
@@ -458,7 +458,7 @@
           <a:p>
             <a:fld id="{ECB3C1DC-EE09-436C-876C-1E4BB35BFE0C}" type="datetimeFigureOut">
               <a:rPr lang="en-US" smtClean="0"/>
-              <a:t>1/19/2014</a:t>
+              <a:t>1/22/2014</a:t>
             </a:fld>
             <a:endParaRPr lang="en-US"/>
           </a:p>
@@ -638,7 +638,7 @@
           <a:p>
             <a:fld id="{ECB3C1DC-EE09-436C-876C-1E4BB35BFE0C}" type="datetimeFigureOut">
               <a:rPr lang="en-US" smtClean="0"/>
-              <a:t>1/19/2014</a:t>
+              <a:t>1/22/2014</a:t>
             </a:fld>
             <a:endParaRPr lang="en-US"/>
           </a:p>
@@ -808,7 +808,7 @@
           <a:p>
             <a:fld id="{ECB3C1DC-EE09-436C-876C-1E4BB35BFE0C}" type="datetimeFigureOut">
               <a:rPr lang="en-US" smtClean="0"/>
-              <a:t>1/19/2014</a:t>
+              <a:t>1/22/2014</a:t>
             </a:fld>
             <a:endParaRPr lang="en-US"/>
           </a:p>
@@ -1054,7 +1054,7 @@
           <a:p>
             <a:fld id="{ECB3C1DC-EE09-436C-876C-1E4BB35BFE0C}" type="datetimeFigureOut">
               <a:rPr lang="en-US" smtClean="0"/>
-              <a:t>1/19/2014</a:t>
+              <a:t>1/22/2014</a:t>
             </a:fld>
             <a:endParaRPr lang="en-US"/>
           </a:p>
@@ -1342,7 +1342,7 @@
           <a:p>
             <a:fld id="{ECB3C1DC-EE09-436C-876C-1E4BB35BFE0C}" type="datetimeFigureOut">
               <a:rPr lang="en-US" smtClean="0"/>
-              <a:t>1/19/2014</a:t>
+              <a:t>1/22/2014</a:t>
             </a:fld>
             <a:endParaRPr lang="en-US"/>
           </a:p>
@@ -1764,7 +1764,7 @@
           <a:p>
             <a:fld id="{ECB3C1DC-EE09-436C-876C-1E4BB35BFE0C}" type="datetimeFigureOut">
               <a:rPr lang="en-US" smtClean="0"/>
-              <a:t>1/19/2014</a:t>
+              <a:t>1/22/2014</a:t>
             </a:fld>
             <a:endParaRPr lang="en-US"/>
           </a:p>
@@ -1882,7 +1882,7 @@
           <a:p>
             <a:fld id="{ECB3C1DC-EE09-436C-876C-1E4BB35BFE0C}" type="datetimeFigureOut">
               <a:rPr lang="en-US" smtClean="0"/>
-              <a:t>1/19/2014</a:t>
+              <a:t>1/22/2014</a:t>
             </a:fld>
             <a:endParaRPr lang="en-US"/>
           </a:p>
@@ -1977,7 +1977,7 @@
           <a:p>
             <a:fld id="{ECB3C1DC-EE09-436C-876C-1E4BB35BFE0C}" type="datetimeFigureOut">
               <a:rPr lang="en-US" smtClean="0"/>
-              <a:t>1/19/2014</a:t>
+              <a:t>1/22/2014</a:t>
             </a:fld>
             <a:endParaRPr lang="en-US"/>
           </a:p>
@@ -2254,7 +2254,7 @@
           <a:p>
             <a:fld id="{ECB3C1DC-EE09-436C-876C-1E4BB35BFE0C}" type="datetimeFigureOut">
               <a:rPr lang="en-US" smtClean="0"/>
-              <a:t>1/19/2014</a:t>
+              <a:t>1/22/2014</a:t>
             </a:fld>
             <a:endParaRPr lang="en-US"/>
           </a:p>
@@ -2507,7 +2507,7 @@
           <a:p>
             <a:fld id="{ECB3C1DC-EE09-436C-876C-1E4BB35BFE0C}" type="datetimeFigureOut">
               <a:rPr lang="en-US" smtClean="0"/>
-              <a:t>1/19/2014</a:t>
+              <a:t>1/22/2014</a:t>
             </a:fld>
             <a:endParaRPr lang="en-US"/>
           </a:p>
@@ -2720,7 +2720,7 @@
           <a:p>
             <a:fld id="{ECB3C1DC-EE09-436C-876C-1E4BB35BFE0C}" type="datetimeFigureOut">
               <a:rPr lang="en-US" smtClean="0"/>
-              <a:t>1/19/2014</a:t>
+              <a:t>1/22/2014</a:t>
             </a:fld>
             <a:endParaRPr lang="en-US"/>
           </a:p>
@@ -3603,34 +3603,19 @@
         <p:spPr>
           <a:xfrm>
             <a:off x="152400" y="1752600"/>
-            <a:ext cx="381000" cy="381000"/>
+            <a:ext cx="274320" cy="274320"/>
           </a:xfrm>
           <a:prstGeom prst="mathMultiply">
             <a:avLst/>
           </a:prstGeom>
-          <a:gradFill flip="none" rotWithShape="1">
-            <a:gsLst>
-              <a:gs pos="0">
-                <a:srgbClr val="FF0000">
-                  <a:lumMod val="24000"/>
-                  <a:lumOff val="76000"/>
-                </a:srgbClr>
-              </a:gs>
-              <a:gs pos="60000">
-                <a:srgbClr val="FF0000"/>
-              </a:gs>
-              <a:gs pos="100000">
-                <a:srgbClr val="FF0000"/>
-              </a:gs>
-            </a:gsLst>
-            <a:lin ang="10800000" scaled="1"/>
-            <a:tileRect/>
-          </a:gradFill>
+          <a:solidFill>
+            <a:srgbClr val="FF0000"/>
+          </a:solidFill>
           <a:ln w="3175">
             <a:solidFill>
               <a:schemeClr val="tx1">
-                <a:lumMod val="85000"/>
-                <a:lumOff val="15000"/>
+                <a:lumMod val="65000"/>
+                <a:lumOff val="35000"/>
               </a:schemeClr>
             </a:solidFill>
           </a:ln>
@@ -3811,38 +3796,22 @@
         </p:nvSpPr>
         <p:spPr>
           <a:xfrm>
-            <a:off x="152400" y="3028950"/>
-            <a:ext cx="381000" cy="381000"/>
+            <a:off x="371477" y="2450812"/>
+            <a:ext cx="274320" cy="274320"/>
           </a:xfrm>
           <a:prstGeom prst="mathMultiply">
             <a:avLst/>
           </a:prstGeom>
-          <a:gradFill flip="none" rotWithShape="1">
-            <a:gsLst>
-              <a:gs pos="0">
-                <a:schemeClr val="bg1">
-                  <a:lumMod val="24000"/>
-                  <a:lumOff val="76000"/>
-                </a:schemeClr>
-              </a:gs>
-              <a:gs pos="63000">
-                <a:schemeClr val="bg1">
-                  <a:lumMod val="94000"/>
-                </a:schemeClr>
-              </a:gs>
-              <a:gs pos="100000">
-                <a:schemeClr val="bg1">
-                  <a:lumMod val="94000"/>
-                </a:schemeClr>
-              </a:gs>
-            </a:gsLst>
-            <a:lin ang="10800000" scaled="1"/>
-            <a:tileRect/>
-          </a:gradFill>
+          <a:solidFill>
+            <a:schemeClr val="bg1">
+              <a:lumMod val="85000"/>
+            </a:schemeClr>
+          </a:solidFill>
           <a:ln w="3175">
             <a:solidFill>
-              <a:schemeClr val="bg1">
-                <a:lumMod val="85000"/>
+              <a:schemeClr val="tx1">
+                <a:lumMod val="65000"/>
+                <a:lumOff val="35000"/>
               </a:schemeClr>
             </a:solidFill>
           </a:ln>

--- a/docs/Mockups/First Draft/Draft Dashboard Mockup.pptx
+++ b/docs/Mockups/First Draft/Draft Dashboard Mockup.pptx
@@ -288,7 +288,7 @@
           <a:p>
             <a:fld id="{ECB3C1DC-EE09-436C-876C-1E4BB35BFE0C}" type="datetimeFigureOut">
               <a:rPr lang="en-US" smtClean="0"/>
-              <a:t>1/22/2014</a:t>
+              <a:t>1/28/2014</a:t>
             </a:fld>
             <a:endParaRPr lang="en-US"/>
           </a:p>
@@ -458,7 +458,7 @@
           <a:p>
             <a:fld id="{ECB3C1DC-EE09-436C-876C-1E4BB35BFE0C}" type="datetimeFigureOut">
               <a:rPr lang="en-US" smtClean="0"/>
-              <a:t>1/22/2014</a:t>
+              <a:t>1/28/2014</a:t>
             </a:fld>
             <a:endParaRPr lang="en-US"/>
           </a:p>
@@ -638,7 +638,7 @@
           <a:p>
             <a:fld id="{ECB3C1DC-EE09-436C-876C-1E4BB35BFE0C}" type="datetimeFigureOut">
               <a:rPr lang="en-US" smtClean="0"/>
-              <a:t>1/22/2014</a:t>
+              <a:t>1/28/2014</a:t>
             </a:fld>
             <a:endParaRPr lang="en-US"/>
           </a:p>
@@ -808,7 +808,7 @@
           <a:p>
             <a:fld id="{ECB3C1DC-EE09-436C-876C-1E4BB35BFE0C}" type="datetimeFigureOut">
               <a:rPr lang="en-US" smtClean="0"/>
-              <a:t>1/22/2014</a:t>
+              <a:t>1/28/2014</a:t>
             </a:fld>
             <a:endParaRPr lang="en-US"/>
           </a:p>
@@ -1054,7 +1054,7 @@
           <a:p>
             <a:fld id="{ECB3C1DC-EE09-436C-876C-1E4BB35BFE0C}" type="datetimeFigureOut">
               <a:rPr lang="en-US" smtClean="0"/>
-              <a:t>1/22/2014</a:t>
+              <a:t>1/28/2014</a:t>
             </a:fld>
             <a:endParaRPr lang="en-US"/>
           </a:p>
@@ -1342,7 +1342,7 @@
           <a:p>
             <a:fld id="{ECB3C1DC-EE09-436C-876C-1E4BB35BFE0C}" type="datetimeFigureOut">
               <a:rPr lang="en-US" smtClean="0"/>
-              <a:t>1/22/2014</a:t>
+              <a:t>1/28/2014</a:t>
             </a:fld>
             <a:endParaRPr lang="en-US"/>
           </a:p>
@@ -1764,7 +1764,7 @@
           <a:p>
             <a:fld id="{ECB3C1DC-EE09-436C-876C-1E4BB35BFE0C}" type="datetimeFigureOut">
               <a:rPr lang="en-US" smtClean="0"/>
-              <a:t>1/22/2014</a:t>
+              <a:t>1/28/2014</a:t>
             </a:fld>
             <a:endParaRPr lang="en-US"/>
           </a:p>
@@ -1882,7 +1882,7 @@
           <a:p>
             <a:fld id="{ECB3C1DC-EE09-436C-876C-1E4BB35BFE0C}" type="datetimeFigureOut">
               <a:rPr lang="en-US" smtClean="0"/>
-              <a:t>1/22/2014</a:t>
+              <a:t>1/28/2014</a:t>
             </a:fld>
             <a:endParaRPr lang="en-US"/>
           </a:p>
@@ -1977,7 +1977,7 @@
           <a:p>
             <a:fld id="{ECB3C1DC-EE09-436C-876C-1E4BB35BFE0C}" type="datetimeFigureOut">
               <a:rPr lang="en-US" smtClean="0"/>
-              <a:t>1/22/2014</a:t>
+              <a:t>1/28/2014</a:t>
             </a:fld>
             <a:endParaRPr lang="en-US"/>
           </a:p>
@@ -2254,7 +2254,7 @@
           <a:p>
             <a:fld id="{ECB3C1DC-EE09-436C-876C-1E4BB35BFE0C}" type="datetimeFigureOut">
               <a:rPr lang="en-US" smtClean="0"/>
-              <a:t>1/22/2014</a:t>
+              <a:t>1/28/2014</a:t>
             </a:fld>
             <a:endParaRPr lang="en-US"/>
           </a:p>
@@ -2507,7 +2507,7 @@
           <a:p>
             <a:fld id="{ECB3C1DC-EE09-436C-876C-1E4BB35BFE0C}" type="datetimeFigureOut">
               <a:rPr lang="en-US" smtClean="0"/>
-              <a:t>1/22/2014</a:t>
+              <a:t>1/28/2014</a:t>
             </a:fld>
             <a:endParaRPr lang="en-US"/>
           </a:p>
@@ -2720,7 +2720,7 @@
           <a:p>
             <a:fld id="{ECB3C1DC-EE09-436C-876C-1E4BB35BFE0C}" type="datetimeFigureOut">
               <a:rPr lang="en-US" smtClean="0"/>
-              <a:t>1/22/2014</a:t>
+              <a:t>1/28/2014</a:t>
             </a:fld>
             <a:endParaRPr lang="en-US"/>
           </a:p>
@@ -3609,7 +3609,7 @@
             <a:avLst/>
           </a:prstGeom>
           <a:solidFill>
-            <a:srgbClr val="FF0000"/>
+            <a:srgbClr val="C00000"/>
           </a:solidFill>
           <a:ln w="3175">
             <a:solidFill>

--- a/docs/Mockups/First Draft/Draft Dashboard Mockup.pptx
+++ b/docs/Mockups/First Draft/Draft Dashboard Mockup.pptx
@@ -4,6 +4,9 @@
   <p:sldMasterIdLst>
     <p:sldMasterId id="2147483648" r:id="rId1"/>
   </p:sldMasterIdLst>
+  <p:notesMasterIdLst>
+    <p:notesMasterId r:id="rId3"/>
+  </p:notesMasterIdLst>
   <p:sldIdLst>
     <p:sldId id="256" r:id="rId2"/>
   </p:sldIdLst>
@@ -105,6 +108,440 @@
     </a:lvl9pPr>
   </p:defaultTextStyle>
 </p:presentation>
+</file>
+
+<file path=ppt/notesMasters/notesMaster1.xml><?xml version="1.0" encoding="utf-8"?>
+<p:notesMaster xmlns:a="http://schemas.openxmlformats.org/drawingml/2006/main" xmlns:r="http://schemas.openxmlformats.org/officeDocument/2006/relationships" xmlns:p="http://schemas.openxmlformats.org/presentationml/2006/main">
+  <p:cSld>
+    <p:bg>
+      <p:bgRef idx="1001">
+        <a:schemeClr val="bg1"/>
+      </p:bgRef>
+    </p:bg>
+    <p:spTree>
+      <p:nvGrpSpPr>
+        <p:cNvPr id="1" name=""/>
+        <p:cNvGrpSpPr/>
+        <p:nvPr/>
+      </p:nvGrpSpPr>
+      <p:grpSpPr>
+        <a:xfrm>
+          <a:off x="0" y="0"/>
+          <a:ext cx="0" cy="0"/>
+          <a:chOff x="0" y="0"/>
+          <a:chExt cx="0" cy="0"/>
+        </a:xfrm>
+      </p:grpSpPr>
+      <p:sp>
+        <p:nvSpPr>
+          <p:cNvPr id="2" name="Header Placeholder 1"/>
+          <p:cNvSpPr>
+            <a:spLocks noGrp="1"/>
+          </p:cNvSpPr>
+          <p:nvPr>
+            <p:ph type="hdr" sz="quarter"/>
+          </p:nvPr>
+        </p:nvSpPr>
+        <p:spPr>
+          <a:xfrm>
+            <a:off x="0" y="0"/>
+            <a:ext cx="2971800" cy="457200"/>
+          </a:xfrm>
+          <a:prstGeom prst="rect">
+            <a:avLst/>
+          </a:prstGeom>
+        </p:spPr>
+        <p:txBody>
+          <a:bodyPr vert="horz" lIns="91440" tIns="45720" rIns="91440" bIns="45720" rtlCol="0"/>
+          <a:lstStyle>
+            <a:lvl1pPr algn="l">
+              <a:defRPr sz="1200"/>
+            </a:lvl1pPr>
+          </a:lstStyle>
+          <a:p>
+            <a:endParaRPr lang="en-US"/>
+          </a:p>
+        </p:txBody>
+      </p:sp>
+      <p:sp>
+        <p:nvSpPr>
+          <p:cNvPr id="3" name="Date Placeholder 2"/>
+          <p:cNvSpPr>
+            <a:spLocks noGrp="1"/>
+          </p:cNvSpPr>
+          <p:nvPr>
+            <p:ph type="dt" idx="1"/>
+          </p:nvPr>
+        </p:nvSpPr>
+        <p:spPr>
+          <a:xfrm>
+            <a:off x="3884613" y="0"/>
+            <a:ext cx="2971800" cy="457200"/>
+          </a:xfrm>
+          <a:prstGeom prst="rect">
+            <a:avLst/>
+          </a:prstGeom>
+        </p:spPr>
+        <p:txBody>
+          <a:bodyPr vert="horz" lIns="91440" tIns="45720" rIns="91440" bIns="45720" rtlCol="0"/>
+          <a:lstStyle>
+            <a:lvl1pPr algn="r">
+              <a:defRPr sz="1200"/>
+            </a:lvl1pPr>
+          </a:lstStyle>
+          <a:p>
+            <a:fld id="{5001CAD0-6C5D-442B-9DF4-2F087697C622}" type="datetimeFigureOut">
+              <a:rPr lang="en-US" smtClean="0"/>
+              <a:t>1/28/2014</a:t>
+            </a:fld>
+            <a:endParaRPr lang="en-US"/>
+          </a:p>
+        </p:txBody>
+      </p:sp>
+      <p:sp>
+        <p:nvSpPr>
+          <p:cNvPr id="4" name="Slide Image Placeholder 3"/>
+          <p:cNvSpPr>
+            <a:spLocks noGrp="1" noRot="1" noChangeAspect="1"/>
+          </p:cNvSpPr>
+          <p:nvPr>
+            <p:ph type="sldImg" idx="2"/>
+          </p:nvPr>
+        </p:nvSpPr>
+        <p:spPr>
+          <a:xfrm>
+            <a:off x="1143000" y="685800"/>
+            <a:ext cx="4572000" cy="3429000"/>
+          </a:xfrm>
+          <a:prstGeom prst="rect">
+            <a:avLst/>
+          </a:prstGeom>
+          <a:noFill/>
+          <a:ln w="12700">
+            <a:solidFill>
+              <a:prstClr val="black"/>
+            </a:solidFill>
+          </a:ln>
+        </p:spPr>
+        <p:txBody>
+          <a:bodyPr vert="horz" lIns="91440" tIns="45720" rIns="91440" bIns="45720" rtlCol="0" anchor="ctr"/>
+          <a:lstStyle/>
+          <a:p>
+            <a:endParaRPr lang="en-US"/>
+          </a:p>
+        </p:txBody>
+      </p:sp>
+      <p:sp>
+        <p:nvSpPr>
+          <p:cNvPr id="5" name="Notes Placeholder 4"/>
+          <p:cNvSpPr>
+            <a:spLocks noGrp="1"/>
+          </p:cNvSpPr>
+          <p:nvPr>
+            <p:ph type="body" sz="quarter" idx="3"/>
+          </p:nvPr>
+        </p:nvSpPr>
+        <p:spPr>
+          <a:xfrm>
+            <a:off x="685800" y="4343400"/>
+            <a:ext cx="5486400" cy="4114800"/>
+          </a:xfrm>
+          <a:prstGeom prst="rect">
+            <a:avLst/>
+          </a:prstGeom>
+        </p:spPr>
+        <p:txBody>
+          <a:bodyPr vert="horz" lIns="91440" tIns="45720" rIns="91440" bIns="45720" rtlCol="0"/>
+          <a:lstStyle/>
+          <a:p>
+            <a:pPr lvl="0"/>
+            <a:r>
+              <a:rPr lang="en-US" smtClean="0"/>
+              <a:t>Click to edit Master text styles</a:t>
+            </a:r>
+          </a:p>
+          <a:p>
+            <a:pPr lvl="1"/>
+            <a:r>
+              <a:rPr lang="en-US" smtClean="0"/>
+              <a:t>Second level</a:t>
+            </a:r>
+          </a:p>
+          <a:p>
+            <a:pPr lvl="2"/>
+            <a:r>
+              <a:rPr lang="en-US" smtClean="0"/>
+              <a:t>Third level</a:t>
+            </a:r>
+          </a:p>
+          <a:p>
+            <a:pPr lvl="3"/>
+            <a:r>
+              <a:rPr lang="en-US" smtClean="0"/>
+              <a:t>Fourth level</a:t>
+            </a:r>
+          </a:p>
+          <a:p>
+            <a:pPr lvl="4"/>
+            <a:r>
+              <a:rPr lang="en-US" smtClean="0"/>
+              <a:t>Fifth level</a:t>
+            </a:r>
+            <a:endParaRPr lang="en-US"/>
+          </a:p>
+        </p:txBody>
+      </p:sp>
+      <p:sp>
+        <p:nvSpPr>
+          <p:cNvPr id="6" name="Footer Placeholder 5"/>
+          <p:cNvSpPr>
+            <a:spLocks noGrp="1"/>
+          </p:cNvSpPr>
+          <p:nvPr>
+            <p:ph type="ftr" sz="quarter" idx="4"/>
+          </p:nvPr>
+        </p:nvSpPr>
+        <p:spPr>
+          <a:xfrm>
+            <a:off x="0" y="8685213"/>
+            <a:ext cx="2971800" cy="457200"/>
+          </a:xfrm>
+          <a:prstGeom prst="rect">
+            <a:avLst/>
+          </a:prstGeom>
+        </p:spPr>
+        <p:txBody>
+          <a:bodyPr vert="horz" lIns="91440" tIns="45720" rIns="91440" bIns="45720" rtlCol="0" anchor="b"/>
+          <a:lstStyle>
+            <a:lvl1pPr algn="l">
+              <a:defRPr sz="1200"/>
+            </a:lvl1pPr>
+          </a:lstStyle>
+          <a:p>
+            <a:endParaRPr lang="en-US"/>
+          </a:p>
+        </p:txBody>
+      </p:sp>
+      <p:sp>
+        <p:nvSpPr>
+          <p:cNvPr id="7" name="Slide Number Placeholder 6"/>
+          <p:cNvSpPr>
+            <a:spLocks noGrp="1"/>
+          </p:cNvSpPr>
+          <p:nvPr>
+            <p:ph type="sldNum" sz="quarter" idx="5"/>
+          </p:nvPr>
+        </p:nvSpPr>
+        <p:spPr>
+          <a:xfrm>
+            <a:off x="3884613" y="8685213"/>
+            <a:ext cx="2971800" cy="457200"/>
+          </a:xfrm>
+          <a:prstGeom prst="rect">
+            <a:avLst/>
+          </a:prstGeom>
+        </p:spPr>
+        <p:txBody>
+          <a:bodyPr vert="horz" lIns="91440" tIns="45720" rIns="91440" bIns="45720" rtlCol="0" anchor="b"/>
+          <a:lstStyle>
+            <a:lvl1pPr algn="r">
+              <a:defRPr sz="1200"/>
+            </a:lvl1pPr>
+          </a:lstStyle>
+          <a:p>
+            <a:fld id="{5B9832E6-1366-4948-9D0A-22C05A34A0D3}" type="slidenum">
+              <a:rPr lang="en-US" smtClean="0"/>
+              <a:t>‹#›</a:t>
+            </a:fld>
+            <a:endParaRPr lang="en-US"/>
+          </a:p>
+        </p:txBody>
+      </p:sp>
+    </p:spTree>
+    <p:extLst>
+      <p:ext uri="{BB962C8B-B14F-4D97-AF65-F5344CB8AC3E}">
+        <p14:creationId xmlns:p14="http://schemas.microsoft.com/office/powerpoint/2010/main" val="3845206207"/>
+      </p:ext>
+    </p:extLst>
+  </p:cSld>
+  <p:clrMap bg1="lt1" tx1="dk1" bg2="lt2" tx2="dk2" accent1="accent1" accent2="accent2" accent3="accent3" accent4="accent4" accent5="accent5" accent6="accent6" hlink="hlink" folHlink="folHlink"/>
+  <p:notesStyle>
+    <a:lvl1pPr marL="0" algn="l" defTabSz="914400" rtl="0" eaLnBrk="1" latinLnBrk="0" hangingPunct="1">
+      <a:defRPr sz="1200" kern="1200">
+        <a:solidFill>
+          <a:schemeClr val="tx1"/>
+        </a:solidFill>
+        <a:latin typeface="+mn-lt"/>
+        <a:ea typeface="+mn-ea"/>
+        <a:cs typeface="+mn-cs"/>
+      </a:defRPr>
+    </a:lvl1pPr>
+    <a:lvl2pPr marL="457200" algn="l" defTabSz="914400" rtl="0" eaLnBrk="1" latinLnBrk="0" hangingPunct="1">
+      <a:defRPr sz="1200" kern="1200">
+        <a:solidFill>
+          <a:schemeClr val="tx1"/>
+        </a:solidFill>
+        <a:latin typeface="+mn-lt"/>
+        <a:ea typeface="+mn-ea"/>
+        <a:cs typeface="+mn-cs"/>
+      </a:defRPr>
+    </a:lvl2pPr>
+    <a:lvl3pPr marL="914400" algn="l" defTabSz="914400" rtl="0" eaLnBrk="1" latinLnBrk="0" hangingPunct="1">
+      <a:defRPr sz="1200" kern="1200">
+        <a:solidFill>
+          <a:schemeClr val="tx1"/>
+        </a:solidFill>
+        <a:latin typeface="+mn-lt"/>
+        <a:ea typeface="+mn-ea"/>
+        <a:cs typeface="+mn-cs"/>
+      </a:defRPr>
+    </a:lvl3pPr>
+    <a:lvl4pPr marL="1371600" algn="l" defTabSz="914400" rtl="0" eaLnBrk="1" latinLnBrk="0" hangingPunct="1">
+      <a:defRPr sz="1200" kern="1200">
+        <a:solidFill>
+          <a:schemeClr val="tx1"/>
+        </a:solidFill>
+        <a:latin typeface="+mn-lt"/>
+        <a:ea typeface="+mn-ea"/>
+        <a:cs typeface="+mn-cs"/>
+      </a:defRPr>
+    </a:lvl4pPr>
+    <a:lvl5pPr marL="1828800" algn="l" defTabSz="914400" rtl="0" eaLnBrk="1" latinLnBrk="0" hangingPunct="1">
+      <a:defRPr sz="1200" kern="1200">
+        <a:solidFill>
+          <a:schemeClr val="tx1"/>
+        </a:solidFill>
+        <a:latin typeface="+mn-lt"/>
+        <a:ea typeface="+mn-ea"/>
+        <a:cs typeface="+mn-cs"/>
+      </a:defRPr>
+    </a:lvl5pPr>
+    <a:lvl6pPr marL="2286000" algn="l" defTabSz="914400" rtl="0" eaLnBrk="1" latinLnBrk="0" hangingPunct="1">
+      <a:defRPr sz="1200" kern="1200">
+        <a:solidFill>
+          <a:schemeClr val="tx1"/>
+        </a:solidFill>
+        <a:latin typeface="+mn-lt"/>
+        <a:ea typeface="+mn-ea"/>
+        <a:cs typeface="+mn-cs"/>
+      </a:defRPr>
+    </a:lvl6pPr>
+    <a:lvl7pPr marL="2743200" algn="l" defTabSz="914400" rtl="0" eaLnBrk="1" latinLnBrk="0" hangingPunct="1">
+      <a:defRPr sz="1200" kern="1200">
+        <a:solidFill>
+          <a:schemeClr val="tx1"/>
+        </a:solidFill>
+        <a:latin typeface="+mn-lt"/>
+        <a:ea typeface="+mn-ea"/>
+        <a:cs typeface="+mn-cs"/>
+      </a:defRPr>
+    </a:lvl7pPr>
+    <a:lvl8pPr marL="3200400" algn="l" defTabSz="914400" rtl="0" eaLnBrk="1" latinLnBrk="0" hangingPunct="1">
+      <a:defRPr sz="1200" kern="1200">
+        <a:solidFill>
+          <a:schemeClr val="tx1"/>
+        </a:solidFill>
+        <a:latin typeface="+mn-lt"/>
+        <a:ea typeface="+mn-ea"/>
+        <a:cs typeface="+mn-cs"/>
+      </a:defRPr>
+    </a:lvl8pPr>
+    <a:lvl9pPr marL="3657600" algn="l" defTabSz="914400" rtl="0" eaLnBrk="1" latinLnBrk="0" hangingPunct="1">
+      <a:defRPr sz="1200" kern="1200">
+        <a:solidFill>
+          <a:schemeClr val="tx1"/>
+        </a:solidFill>
+        <a:latin typeface="+mn-lt"/>
+        <a:ea typeface="+mn-ea"/>
+        <a:cs typeface="+mn-cs"/>
+      </a:defRPr>
+    </a:lvl9pPr>
+  </p:notesStyle>
+</p:notesMaster>
+</file>
+
+<file path=ppt/notesSlides/notesSlide1.xml><?xml version="1.0" encoding="utf-8"?>
+<p:notes xmlns:a="http://schemas.openxmlformats.org/drawingml/2006/main" xmlns:r="http://schemas.openxmlformats.org/officeDocument/2006/relationships" xmlns:p="http://schemas.openxmlformats.org/presentationml/2006/main">
+  <p:cSld>
+    <p:spTree>
+      <p:nvGrpSpPr>
+        <p:cNvPr id="1" name=""/>
+        <p:cNvGrpSpPr/>
+        <p:nvPr/>
+      </p:nvGrpSpPr>
+      <p:grpSpPr>
+        <a:xfrm>
+          <a:off x="0" y="0"/>
+          <a:ext cx="0" cy="0"/>
+          <a:chOff x="0" y="0"/>
+          <a:chExt cx="0" cy="0"/>
+        </a:xfrm>
+      </p:grpSpPr>
+      <p:sp>
+        <p:nvSpPr>
+          <p:cNvPr id="2" name="Slide Image Placeholder 1"/>
+          <p:cNvSpPr>
+            <a:spLocks noGrp="1" noRot="1" noChangeAspect="1"/>
+          </p:cNvSpPr>
+          <p:nvPr>
+            <p:ph type="sldImg"/>
+          </p:nvPr>
+        </p:nvSpPr>
+        <p:spPr/>
+      </p:sp>
+      <p:sp>
+        <p:nvSpPr>
+          <p:cNvPr id="3" name="Notes Placeholder 2"/>
+          <p:cNvSpPr>
+            <a:spLocks noGrp="1"/>
+          </p:cNvSpPr>
+          <p:nvPr>
+            <p:ph type="body" idx="1"/>
+          </p:nvPr>
+        </p:nvSpPr>
+        <p:spPr/>
+        <p:txBody>
+          <a:bodyPr/>
+          <a:lstStyle/>
+          <a:p>
+            <a:endParaRPr lang="en-US" dirty="0"/>
+          </a:p>
+        </p:txBody>
+      </p:sp>
+      <p:sp>
+        <p:nvSpPr>
+          <p:cNvPr id="4" name="Slide Number Placeholder 3"/>
+          <p:cNvSpPr>
+            <a:spLocks noGrp="1"/>
+          </p:cNvSpPr>
+          <p:nvPr>
+            <p:ph type="sldNum" sz="quarter" idx="10"/>
+          </p:nvPr>
+        </p:nvSpPr>
+        <p:spPr/>
+        <p:txBody>
+          <a:bodyPr/>
+          <a:lstStyle/>
+          <a:p>
+            <a:fld id="{5B9832E6-1366-4948-9D0A-22C05A34A0D3}" type="slidenum">
+              <a:rPr lang="en-US" smtClean="0"/>
+              <a:t>1</a:t>
+            </a:fld>
+            <a:endParaRPr lang="en-US"/>
+          </a:p>
+        </p:txBody>
+      </p:sp>
+    </p:spTree>
+    <p:extLst>
+      <p:ext uri="{BB962C8B-B14F-4D97-AF65-F5344CB8AC3E}">
+        <p14:creationId xmlns:p14="http://schemas.microsoft.com/office/powerpoint/2010/main" val="2637758100"/>
+      </p:ext>
+    </p:extLst>
+  </p:cSld>
+  <p:clrMapOvr>
+    <a:masterClrMapping/>
+  </p:clrMapOvr>
+</p:notes>
 </file>
 
 <file path=ppt/slideLayouts/slideLayout1.xml><?xml version="1.0" encoding="utf-8"?>
@@ -3104,11 +3541,11 @@
           <p:nvPr/>
         </p:nvPicPr>
         <p:blipFill>
-          <a:blip r:embed="rId2">
+          <a:blip r:embed="rId3">
             <a:extLst>
               <a:ext uri="{BEBA8EAE-BF5A-486C-A8C5-ECC9F3942E4B}">
                 <a14:imgProps xmlns:a14="http://schemas.microsoft.com/office/drawing/2010/main">
-                  <a14:imgLayer r:embed="rId3">
+                  <a14:imgLayer r:embed="rId4">
                     <a14:imgEffect>
                       <a14:colorTemperature colorTemp="6900"/>
                     </a14:imgEffect>
@@ -3170,11 +3607,11 @@
           <p:nvPr/>
         </p:nvPicPr>
         <p:blipFill>
-          <a:blip r:embed="rId4">
+          <a:blip r:embed="rId5">
             <a:extLst>
               <a:ext uri="{BEBA8EAE-BF5A-486C-A8C5-ECC9F3942E4B}">
                 <a14:imgProps xmlns:a14="http://schemas.microsoft.com/office/drawing/2010/main">
-                  <a14:imgLayer r:embed="rId5">
+                  <a14:imgLayer r:embed="rId6">
                     <a14:imgEffect>
                       <a14:colorTemperature colorTemp="8700"/>
                     </a14:imgEffect>
@@ -3614,8 +4051,8 @@
           <a:ln w="3175">
             <a:solidFill>
               <a:schemeClr val="tx1">
-                <a:lumMod val="65000"/>
-                <a:lumOff val="35000"/>
+                <a:lumMod val="85000"/>
+                <a:lumOff val="15000"/>
               </a:schemeClr>
             </a:solidFill>
           </a:ln>
@@ -3802,16 +4239,26 @@
           <a:prstGeom prst="mathMultiply">
             <a:avLst/>
           </a:prstGeom>
-          <a:solidFill>
-            <a:schemeClr val="bg1">
-              <a:lumMod val="85000"/>
-            </a:schemeClr>
-          </a:solidFill>
+          <a:gradFill>
+            <a:gsLst>
+              <a:gs pos="0">
+                <a:schemeClr val="bg1">
+                  <a:lumMod val="90000"/>
+                </a:schemeClr>
+              </a:gs>
+              <a:gs pos="100000">
+                <a:schemeClr val="bg1">
+                  <a:lumMod val="90000"/>
+                </a:schemeClr>
+              </a:gs>
+            </a:gsLst>
+            <a:lin ang="5400000" scaled="0"/>
+          </a:gradFill>
           <a:ln w="3175">
             <a:solidFill>
               <a:schemeClr val="tx1">
-                <a:lumMod val="65000"/>
-                <a:lumOff val="35000"/>
+                <a:lumMod val="85000"/>
+                <a:lumOff val="15000"/>
               </a:schemeClr>
             </a:solidFill>
           </a:ln>
@@ -4754,4 +5201,289 @@
   </a:objectDefaults>
   <a:extraClrSchemeLst/>
 </a:theme>
+</file>
+
+<file path=ppt/theme/theme2.xml><?xml version="1.0" encoding="utf-8"?>
+<a:theme xmlns:a="http://schemas.openxmlformats.org/drawingml/2006/main" name="Office Theme">
+  <a:themeElements>
+    <a:clrScheme name="Office">
+      <a:dk1>
+        <a:sysClr val="windowText" lastClr="000000"/>
+      </a:dk1>
+      <a:lt1>
+        <a:sysClr val="window" lastClr="FFFFFF"/>
+      </a:lt1>
+      <a:dk2>
+        <a:srgbClr val="1F497D"/>
+      </a:dk2>
+      <a:lt2>
+        <a:srgbClr val="EEECE1"/>
+      </a:lt2>
+      <a:accent1>
+        <a:srgbClr val="4F81BD"/>
+      </a:accent1>
+      <a:accent2>
+        <a:srgbClr val="C0504D"/>
+      </a:accent2>
+      <a:accent3>
+        <a:srgbClr val="9BBB59"/>
+      </a:accent3>
+      <a:accent4>
+        <a:srgbClr val="8064A2"/>
+      </a:accent4>
+      <a:accent5>
+        <a:srgbClr val="4BACC6"/>
+      </a:accent5>
+      <a:accent6>
+        <a:srgbClr val="F79646"/>
+      </a:accent6>
+      <a:hlink>
+        <a:srgbClr val="0000FF"/>
+      </a:hlink>
+      <a:folHlink>
+        <a:srgbClr val="800080"/>
+      </a:folHlink>
+    </a:clrScheme>
+    <a:fontScheme name="Office">
+      <a:majorFont>
+        <a:latin typeface="Calibri"/>
+        <a:ea typeface=""/>
+        <a:cs typeface=""/>
+        <a:font script="Jpan" typeface="ＭＳ Ｐゴシック"/>
+        <a:font script="Hang" typeface="맑은 고딕"/>
+        <a:font script="Hans" typeface="宋体"/>
+        <a:font script="Hant" typeface="新細明體"/>
+        <a:font script="Arab" typeface="Times New Roman"/>
+        <a:font script="Hebr" typeface="Times New Roman"/>
+        <a:font script="Thai" typeface="Angsana New"/>
+        <a:font script="Ethi" typeface="Nyala"/>
+        <a:font script="Beng" typeface="Vrinda"/>
+        <a:font script="Gujr" typeface="Shruti"/>
+        <a:font script="Khmr" typeface="MoolBoran"/>
+        <a:font script="Knda" typeface="Tunga"/>
+        <a:font script="Guru" typeface="Raavi"/>
+        <a:font script="Cans" typeface="Euphemia"/>
+        <a:font script="Cher" typeface="Plantagenet Cherokee"/>
+        <a:font script="Yiii" typeface="Microsoft Yi Baiti"/>
+        <a:font script="Tibt" typeface="Microsoft Himalaya"/>
+        <a:font script="Thaa" typeface="MV Boli"/>
+        <a:font script="Deva" typeface="Mangal"/>
+        <a:font script="Telu" typeface="Gautami"/>
+        <a:font script="Taml" typeface="Latha"/>
+        <a:font script="Syrc" typeface="Estrangelo Edessa"/>
+        <a:font script="Orya" typeface="Kalinga"/>
+        <a:font script="Mlym" typeface="Kartika"/>
+        <a:font script="Laoo" typeface="DokChampa"/>
+        <a:font script="Sinh" typeface="Iskoola Pota"/>
+        <a:font script="Mong" typeface="Mongolian Baiti"/>
+        <a:font script="Viet" typeface="Times New Roman"/>
+        <a:font script="Uigh" typeface="Microsoft Uighur"/>
+        <a:font script="Geor" typeface="Sylfaen"/>
+      </a:majorFont>
+      <a:minorFont>
+        <a:latin typeface="Calibri"/>
+        <a:ea typeface=""/>
+        <a:cs typeface=""/>
+        <a:font script="Jpan" typeface="ＭＳ Ｐゴシック"/>
+        <a:font script="Hang" typeface="맑은 고딕"/>
+        <a:font script="Hans" typeface="宋体"/>
+        <a:font script="Hant" typeface="新細明體"/>
+        <a:font script="Arab" typeface="Arial"/>
+        <a:font script="Hebr" typeface="Arial"/>
+        <a:font script="Thai" typeface="Cordia New"/>
+        <a:font script="Ethi" typeface="Nyala"/>
+        <a:font script="Beng" typeface="Vrinda"/>
+        <a:font script="Gujr" typeface="Shruti"/>
+        <a:font script="Khmr" typeface="DaunPenh"/>
+        <a:font script="Knda" typeface="Tunga"/>
+        <a:font script="Guru" typeface="Raavi"/>
+        <a:font script="Cans" typeface="Euphemia"/>
+        <a:font script="Cher" typeface="Plantagenet Cherokee"/>
+        <a:font script="Yiii" typeface="Microsoft Yi Baiti"/>
+        <a:font script="Tibt" typeface="Microsoft Himalaya"/>
+        <a:font script="Thaa" typeface="MV Boli"/>
+        <a:font script="Deva" typeface="Mangal"/>
+        <a:font script="Telu" typeface="Gautami"/>
+        <a:font script="Taml" typeface="Latha"/>
+        <a:font script="Syrc" typeface="Estrangelo Edessa"/>
+        <a:font script="Orya" typeface="Kalinga"/>
+        <a:font script="Mlym" typeface="Kartika"/>
+        <a:font script="Laoo" typeface="DokChampa"/>
+        <a:font script="Sinh" typeface="Iskoola Pota"/>
+        <a:font script="Mong" typeface="Mongolian Baiti"/>
+        <a:font script="Viet" typeface="Arial"/>
+        <a:font script="Uigh" typeface="Microsoft Uighur"/>
+        <a:font script="Geor" typeface="Sylfaen"/>
+      </a:minorFont>
+    </a:fontScheme>
+    <a:fmtScheme name="Office">
+      <a:fillStyleLst>
+        <a:solidFill>
+          <a:schemeClr val="phClr"/>
+        </a:solidFill>
+        <a:gradFill rotWithShape="1">
+          <a:gsLst>
+            <a:gs pos="0">
+              <a:schemeClr val="phClr">
+                <a:tint val="50000"/>
+                <a:satMod val="300000"/>
+              </a:schemeClr>
+            </a:gs>
+            <a:gs pos="35000">
+              <a:schemeClr val="phClr">
+                <a:tint val="37000"/>
+                <a:satMod val="300000"/>
+              </a:schemeClr>
+            </a:gs>
+            <a:gs pos="100000">
+              <a:schemeClr val="phClr">
+                <a:tint val="15000"/>
+                <a:satMod val="350000"/>
+              </a:schemeClr>
+            </a:gs>
+          </a:gsLst>
+          <a:lin ang="16200000" scaled="1"/>
+        </a:gradFill>
+        <a:gradFill rotWithShape="1">
+          <a:gsLst>
+            <a:gs pos="0">
+              <a:schemeClr val="phClr">
+                <a:shade val="51000"/>
+                <a:satMod val="130000"/>
+              </a:schemeClr>
+            </a:gs>
+            <a:gs pos="80000">
+              <a:schemeClr val="phClr">
+                <a:shade val="93000"/>
+                <a:satMod val="130000"/>
+              </a:schemeClr>
+            </a:gs>
+            <a:gs pos="100000">
+              <a:schemeClr val="phClr">
+                <a:shade val="94000"/>
+                <a:satMod val="135000"/>
+              </a:schemeClr>
+            </a:gs>
+          </a:gsLst>
+          <a:lin ang="16200000" scaled="0"/>
+        </a:gradFill>
+      </a:fillStyleLst>
+      <a:lnStyleLst>
+        <a:ln w="9525" cap="flat" cmpd="sng" algn="ctr">
+          <a:solidFill>
+            <a:schemeClr val="phClr">
+              <a:shade val="95000"/>
+              <a:satMod val="105000"/>
+            </a:schemeClr>
+          </a:solidFill>
+          <a:prstDash val="solid"/>
+        </a:ln>
+        <a:ln w="25400" cap="flat" cmpd="sng" algn="ctr">
+          <a:solidFill>
+            <a:schemeClr val="phClr"/>
+          </a:solidFill>
+          <a:prstDash val="solid"/>
+        </a:ln>
+        <a:ln w="38100" cap="flat" cmpd="sng" algn="ctr">
+          <a:solidFill>
+            <a:schemeClr val="phClr"/>
+          </a:solidFill>
+          <a:prstDash val="solid"/>
+        </a:ln>
+      </a:lnStyleLst>
+      <a:effectStyleLst>
+        <a:effectStyle>
+          <a:effectLst>
+            <a:outerShdw blurRad="40000" dist="20000" dir="5400000" rotWithShape="0">
+              <a:srgbClr val="000000">
+                <a:alpha val="38000"/>
+              </a:srgbClr>
+            </a:outerShdw>
+          </a:effectLst>
+        </a:effectStyle>
+        <a:effectStyle>
+          <a:effectLst>
+            <a:outerShdw blurRad="40000" dist="23000" dir="5400000" rotWithShape="0">
+              <a:srgbClr val="000000">
+                <a:alpha val="35000"/>
+              </a:srgbClr>
+            </a:outerShdw>
+          </a:effectLst>
+        </a:effectStyle>
+        <a:effectStyle>
+          <a:effectLst>
+            <a:outerShdw blurRad="40000" dist="23000" dir="5400000" rotWithShape="0">
+              <a:srgbClr val="000000">
+                <a:alpha val="35000"/>
+              </a:srgbClr>
+            </a:outerShdw>
+          </a:effectLst>
+          <a:scene3d>
+            <a:camera prst="orthographicFront">
+              <a:rot lat="0" lon="0" rev="0"/>
+            </a:camera>
+            <a:lightRig rig="threePt" dir="t">
+              <a:rot lat="0" lon="0" rev="1200000"/>
+            </a:lightRig>
+          </a:scene3d>
+          <a:sp3d>
+            <a:bevelT w="63500" h="25400"/>
+          </a:sp3d>
+        </a:effectStyle>
+      </a:effectStyleLst>
+      <a:bgFillStyleLst>
+        <a:solidFill>
+          <a:schemeClr val="phClr"/>
+        </a:solidFill>
+        <a:gradFill rotWithShape="1">
+          <a:gsLst>
+            <a:gs pos="0">
+              <a:schemeClr val="phClr">
+                <a:tint val="40000"/>
+                <a:satMod val="350000"/>
+              </a:schemeClr>
+            </a:gs>
+            <a:gs pos="40000">
+              <a:schemeClr val="phClr">
+                <a:tint val="45000"/>
+                <a:shade val="99000"/>
+                <a:satMod val="350000"/>
+              </a:schemeClr>
+            </a:gs>
+            <a:gs pos="100000">
+              <a:schemeClr val="phClr">
+                <a:shade val="20000"/>
+                <a:satMod val="255000"/>
+              </a:schemeClr>
+            </a:gs>
+          </a:gsLst>
+          <a:path path="circle">
+            <a:fillToRect l="50000" t="-80000" r="50000" b="180000"/>
+          </a:path>
+        </a:gradFill>
+        <a:gradFill rotWithShape="1">
+          <a:gsLst>
+            <a:gs pos="0">
+              <a:schemeClr val="phClr">
+                <a:tint val="80000"/>
+                <a:satMod val="300000"/>
+              </a:schemeClr>
+            </a:gs>
+            <a:gs pos="100000">
+              <a:schemeClr val="phClr">
+                <a:shade val="30000"/>
+                <a:satMod val="200000"/>
+              </a:schemeClr>
+            </a:gs>
+          </a:gsLst>
+          <a:path path="circle">
+            <a:fillToRect l="50000" t="50000" r="50000" b="50000"/>
+          </a:path>
+        </a:gradFill>
+      </a:bgFillStyleLst>
+    </a:fmtScheme>
+  </a:themeElements>
+  <a:objectDefaults/>
+  <a:extraClrSchemeLst/>
+</a:theme>
 </file>